--- a/Presentación.pptx
+++ b/Presentación.pptx
@@ -268,6 +268,11 @@
       </a:defRPr>
     </a:lvl9pPr>
   </p:defaultTextStyle>
+  <p:extLst>
+    <p:ext uri="{EFAFB233-063F-42B5-8137-9DF3F51BA10A}">
+      <p15:sldGuideLst xmlns:p15="http://schemas.microsoft.com/office/powerpoint/2012/main"/>
+    </p:ext>
+  </p:extLst>
 </p:presentation>
 </file>
 
@@ -50674,10 +50679,10 @@
       </p:sp>
       <p:pic>
         <p:nvPicPr>
-          <p:cNvPr id="1030" name="Picture 6" descr="WASD Keyboard Keycaps | Keyboard stickers, Stickers stickers, Stickers">
+          <p:cNvPr id="1036" name="Picture 12" descr="Teclado - Iconos gratis de flechas">
             <a:extLst>
               <a:ext uri="{FF2B5EF4-FFF2-40B4-BE49-F238E27FC236}">
-                <a16:creationId xmlns:a16="http://schemas.microsoft.com/office/drawing/2014/main" id="{DF0075BC-0062-1999-85A8-1F44FE0D9E66}"/>
+                <a16:creationId xmlns:a16="http://schemas.microsoft.com/office/drawing/2014/main" id="{05A47D4E-2869-33EB-32D7-5E358C43CA86}"/>
               </a:ext>
             </a:extLst>
           </p:cNvPr>
@@ -50701,8 +50706,8 @@
         </p:blipFill>
         <p:spPr bwMode="auto">
           <a:xfrm>
-            <a:off x="538843" y="1151164"/>
-            <a:ext cx="2996293" cy="2996293"/>
+            <a:off x="5227864" y="1061357"/>
+            <a:ext cx="2879271" cy="2879271"/>
           </a:xfrm>
           <a:prstGeom prst="rect">
             <a:avLst/>
@@ -50721,10 +50726,10 @@
       </p:pic>
       <p:pic>
         <p:nvPicPr>
-          <p:cNvPr id="1036" name="Picture 12" descr="Teclado - Iconos gratis de flechas">
+          <p:cNvPr id="2052" name="Picture 4" descr="Introducir la tecla del teclado - Iconos gratis de herramientas y utensilios">
             <a:extLst>
               <a:ext uri="{FF2B5EF4-FFF2-40B4-BE49-F238E27FC236}">
-                <a16:creationId xmlns:a16="http://schemas.microsoft.com/office/drawing/2014/main" id="{05A47D4E-2869-33EB-32D7-5E358C43CA86}"/>
+                <a16:creationId xmlns:a16="http://schemas.microsoft.com/office/drawing/2014/main" id="{05A86D05-D923-E38F-70D1-428910AB68F2}"/>
               </a:ext>
             </a:extLst>
           </p:cNvPr>
@@ -50748,8 +50753,8 @@
         </p:blipFill>
         <p:spPr bwMode="auto">
           <a:xfrm>
-            <a:off x="5227864" y="1061357"/>
-            <a:ext cx="2879271" cy="2879271"/>
+            <a:off x="1224074" y="1505112"/>
+            <a:ext cx="2133275" cy="2133275"/>
           </a:xfrm>
           <a:prstGeom prst="rect">
             <a:avLst/>
@@ -58536,10 +58541,10 @@
       </p:sp>
       <p:pic>
         <p:nvPicPr>
-          <p:cNvPr id="1030" name="Picture 6" descr="WASD Keyboard Keycaps | Keyboard stickers, Stickers stickers, Stickers">
+          <p:cNvPr id="1036" name="Picture 12" descr="Teclado - Iconos gratis de flechas">
             <a:extLst>
               <a:ext uri="{FF2B5EF4-FFF2-40B4-BE49-F238E27FC236}">
-                <a16:creationId xmlns:a16="http://schemas.microsoft.com/office/drawing/2014/main" id="{DF0075BC-0062-1999-85A8-1F44FE0D9E66}"/>
+                <a16:creationId xmlns:a16="http://schemas.microsoft.com/office/drawing/2014/main" id="{05A47D4E-2869-33EB-32D7-5E358C43CA86}"/>
               </a:ext>
             </a:extLst>
           </p:cNvPr>
@@ -58563,8 +58568,8 @@
         </p:blipFill>
         <p:spPr bwMode="auto">
           <a:xfrm>
-            <a:off x="538843" y="1151164"/>
-            <a:ext cx="2996293" cy="2996293"/>
+            <a:off x="5227864" y="1061357"/>
+            <a:ext cx="2879271" cy="2879271"/>
           </a:xfrm>
           <a:prstGeom prst="rect">
             <a:avLst/>
@@ -58583,10 +58588,10 @@
       </p:pic>
       <p:pic>
         <p:nvPicPr>
-          <p:cNvPr id="1036" name="Picture 12" descr="Teclado - Iconos gratis de flechas">
+          <p:cNvPr id="1028" name="Picture 4" descr="Icono de Esc estilo iOS">
             <a:extLst>
               <a:ext uri="{FF2B5EF4-FFF2-40B4-BE49-F238E27FC236}">
-                <a16:creationId xmlns:a16="http://schemas.microsoft.com/office/drawing/2014/main" id="{05A47D4E-2869-33EB-32D7-5E358C43CA86}"/>
+                <a16:creationId xmlns:a16="http://schemas.microsoft.com/office/drawing/2014/main" id="{05CFC95A-FFB8-E1F4-E404-5B0F84DC9684}"/>
               </a:ext>
             </a:extLst>
           </p:cNvPr>
@@ -58610,8 +58615,8 @@
         </p:blipFill>
         <p:spPr bwMode="auto">
           <a:xfrm>
-            <a:off x="5227864" y="1061357"/>
-            <a:ext cx="2879271" cy="2879271"/>
+            <a:off x="1234941" y="1503864"/>
+            <a:ext cx="2135772" cy="2135772"/>
           </a:xfrm>
           <a:prstGeom prst="rect">
             <a:avLst/>

--- a/Presentación.pptx
+++ b/Presentación.pptx
@@ -31,7 +31,7 @@
       <p:regular r:id="rId17"/>
     </p:embeddedFont>
     <p:embeddedFont>
-      <p:font typeface="Bebas Neue" panose="020B0606020202050201" pitchFamily="34" charset="0"/>
+      <p:font typeface="Bebas Neue" panose="020B0604020202020204" charset="0"/>
       <p:regular r:id="rId18"/>
     </p:embeddedFont>
     <p:embeddedFont>
@@ -43026,10 +43026,10 @@
               <a:buNone/>
             </a:pPr>
             <a:r>
-              <a:rPr lang="en"/>
-              <a:t>TABLE OF CONTENTS</a:t>
+              <a:rPr lang="es-EC" dirty="0"/>
+              <a:t>TABLA DE CONTENIDOS</a:t>
             </a:r>
-            <a:endParaRPr/>
+            <a:endParaRPr dirty="0"/>
           </a:p>
         </p:txBody>
       </p:sp>
